--- a/ProgressReport/Progress_Report_Presentation-HarryGraham-2.pptx
+++ b/ProgressReport/Progress_Report_Presentation-HarryGraham-2.pptx
@@ -723,8 +723,60 @@
             </a:r>
             <a:r>
               <a:rPr lang="en-US" baseline="0" dirty="0" smtClean="0"/>
-              <a:t>because of the nature of the problem, it is ongoing and increasing and therefore it is always useful and interesting if we can experiment and perhaps find new techniques for catching fraud.</a:t>
-            </a:r>
+              <a:t>because of the nature of the problem, it is ongoing and increasing and therefore it is always useful and interesting if we can experiment and perhaps find new techniques for catching fraud</a:t>
+            </a:r>
+            <a:r>
+              <a:rPr lang="en-US" baseline="0" dirty="0" smtClean="0"/>
+              <a:t>.</a:t>
+            </a:r>
+          </a:p>
+          <a:p>
+            <a:pPr marL="0" marR="0" indent="0" algn="l" defTabSz="914400" rtl="0" eaLnBrk="1" fontAlgn="auto" latinLnBrk="0" hangingPunct="1">
+              <a:lnSpc>
+                <a:spcPct val="100000"/>
+              </a:lnSpc>
+              <a:spcBef>
+                <a:spcPts val="0"/>
+              </a:spcBef>
+              <a:spcAft>
+                <a:spcPts val="0"/>
+              </a:spcAft>
+              <a:buClrTx/>
+              <a:buSzTx/>
+              <a:buFontTx/>
+              <a:buNone/>
+              <a:tabLst/>
+              <a:defRPr/>
+            </a:pPr>
+            <a:endParaRPr lang="en-US" baseline="0" dirty="0" smtClean="0"/>
+          </a:p>
+          <a:p>
+            <a:pPr marL="0" marR="0" indent="0" algn="l" defTabSz="914400" rtl="0" eaLnBrk="1" fontAlgn="auto" latinLnBrk="0" hangingPunct="1">
+              <a:lnSpc>
+                <a:spcPct val="100000"/>
+              </a:lnSpc>
+              <a:spcBef>
+                <a:spcPts val="0"/>
+              </a:spcBef>
+              <a:spcAft>
+                <a:spcPts val="0"/>
+              </a:spcAft>
+              <a:buClrTx/>
+              <a:buSzTx/>
+              <a:buFontTx/>
+              <a:buNone/>
+              <a:tabLst/>
+              <a:defRPr/>
+            </a:pPr>
+            <a:r>
+              <a:rPr lang="en-US" baseline="0" dirty="0" smtClean="0"/>
+              <a:t>90% of problems today can be solved effectively by standard supervised learning classifiers, this is to see if we can extend from this and make </a:t>
+            </a:r>
+            <a:r>
+              <a:rPr lang="en-US" baseline="0" smtClean="0"/>
+              <a:t>any improvements.</a:t>
+            </a:r>
+            <a:endParaRPr lang="en-US" baseline="0" dirty="0" smtClean="0"/>
           </a:p>
           <a:p>
             <a:pPr marL="0" marR="0" indent="0" algn="l" defTabSz="914400" rtl="0" eaLnBrk="1" fontAlgn="auto" latinLnBrk="0" hangingPunct="1">
@@ -901,6 +953,32 @@
             <a:endParaRPr lang="en-US" baseline="0" dirty="0" smtClean="0"/>
           </a:p>
           <a:p>
+            <a:pPr marL="0" marR="0" indent="0" algn="l" defTabSz="914400" rtl="0" eaLnBrk="1" fontAlgn="auto" latinLnBrk="0" hangingPunct="1">
+              <a:lnSpc>
+                <a:spcPct val="100000"/>
+              </a:lnSpc>
+              <a:spcBef>
+                <a:spcPts val="0"/>
+              </a:spcBef>
+              <a:spcAft>
+                <a:spcPts val="0"/>
+              </a:spcAft>
+              <a:buClrTx/>
+              <a:buSzTx/>
+              <a:buFontTx/>
+              <a:buNone/>
+              <a:tabLst/>
+              <a:defRPr/>
+            </a:pPr>
+            <a:r>
+              <a:rPr lang="en-GB" baseline="0" dirty="0" smtClean="0"/>
+              <a:t>Unbalanced data. Fraud data is highly unbalanced as you can see. Therefore it is important to use the right metrics (see next slide). Also it is of interest to employ resampling methods. I chose to experiment with Under sampling, Oversampling and SMOTE (creating synthetic data points, extrapolations of existing data points). I chose these because these are three standard techniques. </a:t>
+            </a:r>
+          </a:p>
+          <a:p>
+            <a:endParaRPr lang="en-US" baseline="0" dirty="0" smtClean="0"/>
+          </a:p>
+          <a:p>
             <a:r>
               <a:rPr lang="en-US" baseline="0" dirty="0" smtClean="0"/>
               <a:t>CNNs </a:t>
@@ -932,15 +1010,12 @@
             </a:r>
           </a:p>
           <a:p>
-            <a:endParaRPr lang="en-US" baseline="0" dirty="0" smtClean="0"/>
-          </a:p>
-          <a:p>
             <a:endParaRPr lang="en-GB" baseline="0" dirty="0" smtClean="0"/>
           </a:p>
           <a:p>
             <a:r>
               <a:rPr lang="en-GB" baseline="0" dirty="0" smtClean="0"/>
-              <a:t>Unbalanced data .. </a:t>
+              <a:t>KFOLD CV: Standard technique to ensure to use all your data and to get full idea of generalizability of your model. In my case I needed to make sure to employ oversampling in the right place. If we oversample before cross validation, with each fold of KFOLD, the validation test set will contain some of the duplicate/fake data points, whereas we want to preserve a portion of the original dataset, with every fold. SOLUTION: oversample inside the KFOLD loop.</a:t>
             </a:r>
             <a:endParaRPr lang="en-US" dirty="0"/>
           </a:p>
@@ -1251,7 +1326,15 @@
             </a:r>
             <a:r>
               <a:rPr lang="en-US" baseline="0" dirty="0" smtClean="0"/>
-              <a:t>learn better to not misclassify non fraud, after using SMOTE.</a:t>
+              <a:t>learn better to not misclassify </a:t>
+            </a:r>
+            <a:r>
+              <a:rPr lang="en-US" baseline="0" dirty="0" smtClean="0"/>
+              <a:t>non-fraud</a:t>
+            </a:r>
+            <a:r>
+              <a:rPr lang="en-US" baseline="0" dirty="0" smtClean="0"/>
+              <a:t>, after using SMOTE.</a:t>
             </a:r>
             <a:endParaRPr lang="en-US" dirty="0" smtClean="0"/>
           </a:p>
@@ -5303,17 +5386,22 @@
               <a:buChar char="§"/>
             </a:pPr>
             <a:r>
+              <a:rPr lang="en-US" dirty="0"/>
+              <a:t>Unbalanced data </a:t>
+            </a:r>
+            <a:r>
+              <a:rPr lang="mr-IN" dirty="0"/>
+              <a:t>–</a:t>
+            </a:r>
+            <a:r>
+              <a:rPr lang="en-US" dirty="0"/>
+              <a:t> resampling methods (Under, Over &amp; SMOTE</a:t>
+            </a:r>
+            <a:r>
               <a:rPr lang="en-US" dirty="0" smtClean="0"/>
-              <a:t>Data </a:t>
-            </a:r>
-            <a:r>
-              <a:rPr lang="en-US" dirty="0"/>
-              <a:t>exploration </a:t>
-            </a:r>
-            <a:r>
-              <a:rPr lang="en-US" dirty="0" smtClean="0"/>
-              <a:t>&amp; Baseline models </a:t>
-            </a:r>
+              <a:t>)</a:t>
+            </a:r>
+            <a:endParaRPr lang="en-US" dirty="0" smtClean="0"/>
           </a:p>
           <a:p>
             <a:pPr>
@@ -5322,7 +5410,15 @@
             </a:pPr>
             <a:r>
               <a:rPr lang="en-US" dirty="0" smtClean="0"/>
-              <a:t>CNNs</a:t>
+              <a:t>Data </a:t>
+            </a:r>
+            <a:r>
+              <a:rPr lang="en-US" dirty="0"/>
+              <a:t>exploration </a:t>
+            </a:r>
+            <a:r>
+              <a:rPr lang="en-US" dirty="0" smtClean="0"/>
+              <a:t>&amp; Baseline models </a:t>
             </a:r>
           </a:p>
           <a:p>
@@ -5332,7 +5428,7 @@
             </a:pPr>
             <a:r>
               <a:rPr lang="en-US" dirty="0" smtClean="0"/>
-              <a:t>GAN</a:t>
+              <a:t>CNNs</a:t>
             </a:r>
           </a:p>
           <a:p>
@@ -5342,19 +5438,7 @@
             </a:pPr>
             <a:r>
               <a:rPr lang="en-US" dirty="0" smtClean="0"/>
-              <a:t>Unbalanced data </a:t>
-            </a:r>
-            <a:r>
-              <a:rPr lang="mr-IN" dirty="0" smtClean="0"/>
-              <a:t>–</a:t>
-            </a:r>
-            <a:r>
-              <a:rPr lang="en-US" dirty="0" smtClean="0"/>
-              <a:t> resampling methods (Under, Over &amp; SMOTE</a:t>
-            </a:r>
-            <a:r>
-              <a:rPr lang="en-US" dirty="0" smtClean="0"/>
-              <a:t>)</a:t>
+              <a:t>GAN</a:t>
             </a:r>
           </a:p>
           <a:p>
@@ -5363,8 +5447,12 @@
               <a:buChar char="§"/>
             </a:pPr>
             <a:r>
+              <a:rPr lang="en-US" dirty="0" smtClean="0"/>
+              <a:t>Oversampling </a:t>
+            </a:r>
+            <a:r>
               <a:rPr lang="en-US" dirty="0"/>
-              <a:t>Oversampling in the right place </a:t>
+              <a:t>in the right place </a:t>
             </a:r>
             <a:r>
               <a:rPr lang="mr-IN" dirty="0"/>
@@ -5854,7 +5942,7 @@
             </a:r>
             <a:r>
               <a:rPr lang="en-US" dirty="0" smtClean="0"/>
-              <a:t>)</a:t>
+              <a:t> - RF)</a:t>
             </a:r>
             <a:endParaRPr lang="en-US" dirty="0"/>
           </a:p>
